--- a/BehaviorAnalysis.pptx
+++ b/BehaviorAnalysis.pptx
@@ -15949,7 +15949,7 @@
               <a:buNone/>
             </a:pPr>
             <a:r>
-              <a:rPr lang="en" sz="1300">
+              <a:rPr lang="en" sz="1300" dirty="0">
                 <a:latin typeface="Times New Roman"/>
                 <a:ea typeface="Times New Roman"/>
                 <a:cs typeface="Times New Roman"/>
@@ -15958,7 +15958,7 @@
               <a:t>Dataset consisted of 64007 records in training set. Further processing in MS Excel we evaluated</a:t>
             </a:r>
             <a:r>
-              <a:rPr lang="en" sz="1300">
+              <a:rPr lang="en" sz="1300" dirty="0">
                 <a:solidFill>
                   <a:schemeClr val="dk1"/>
                 </a:solidFill>
@@ -15969,7 +15969,7 @@
               </a:rPr>
               <a:t>, the total no. of hours exceeded 24 for around 2300 records. Since the total no of hours in a day is a maximum of 24 hours , therefore there exists a correlation between the activities present. </a:t>
             </a:r>
-            <a:endParaRPr sz="1300">
+            <a:endParaRPr sz="1300" dirty="0">
               <a:solidFill>
                 <a:schemeClr val="dk1"/>
               </a:solidFill>
@@ -15989,7 +15989,7 @@
               </a:spcAft>
               <a:buNone/>
             </a:pPr>
-            <a:endParaRPr sz="1300">
+            <a:endParaRPr sz="1300" dirty="0">
               <a:solidFill>
                 <a:schemeClr val="dk1"/>
               </a:solidFill>
@@ -16009,7 +16009,7 @@
               </a:spcAft>
               <a:buNone/>
             </a:pPr>
-            <a:endParaRPr sz="1300">
+            <a:endParaRPr sz="1300" dirty="0">
               <a:solidFill>
                 <a:schemeClr val="dk1"/>
               </a:solidFill>
@@ -16029,32 +16029,7 @@
               </a:spcAft>
               <a:buNone/>
             </a:pPr>
-            <a:r>
-              <a:rPr lang="en" sz="1300">
-                <a:solidFill>
-                  <a:schemeClr val="dk1"/>
-                </a:solidFill>
-                <a:latin typeface="Times New Roman"/>
-                <a:ea typeface="Times New Roman"/>
-                <a:cs typeface="Times New Roman"/>
-                <a:sym typeface="Times New Roman"/>
-              </a:rPr>
-              <a:t>Detailed Link -  </a:t>
-            </a:r>
-            <a:r>
-              <a:rPr lang="en" sz="1300" u="sng">
-                <a:solidFill>
-                  <a:schemeClr val="hlink"/>
-                </a:solidFill>
-                <a:latin typeface="Times New Roman"/>
-                <a:ea typeface="Times New Roman"/>
-                <a:cs typeface="Times New Roman"/>
-                <a:sym typeface="Times New Roman"/>
-                <a:hlinkClick r:id="rId3"/>
-              </a:rPr>
-              <a:t>http://bit.ly/2FTeMSP</a:t>
-            </a:r>
-            <a:endParaRPr sz="1300">
+            <a:endParaRPr sz="1300" dirty="0">
               <a:solidFill>
                 <a:schemeClr val="dk1"/>
               </a:solidFill>
@@ -16074,7 +16049,7 @@
               </a:spcAft>
               <a:buNone/>
             </a:pPr>
-            <a:endParaRPr sz="1300">
+            <a:endParaRPr sz="1300" dirty="0">
               <a:solidFill>
                 <a:schemeClr val="dk1"/>
               </a:solidFill>
@@ -16094,28 +16069,8 @@
               </a:spcAft>
               <a:buNone/>
             </a:pPr>
-            <a:endParaRPr sz="1300">
-              <a:solidFill>
-                <a:schemeClr val="dk1"/>
-              </a:solidFill>
-              <a:latin typeface="Times New Roman"/>
-              <a:ea typeface="Times New Roman"/>
-              <a:cs typeface="Times New Roman"/>
-              <a:sym typeface="Times New Roman"/>
-            </a:endParaRPr>
-          </a:p>
-          <a:p>
-            <a:pPr marL="0" lvl="0" indent="0" rtl="0">
-              <a:spcBef>
-                <a:spcPts val="0"/>
-              </a:spcBef>
-              <a:spcAft>
-                <a:spcPts val="0"/>
-              </a:spcAft>
-              <a:buNone/>
-            </a:pPr>
             <a:r>
-              <a:rPr lang="en" sz="1300">
+              <a:rPr lang="en" sz="1300" dirty="0">
                 <a:solidFill>
                   <a:schemeClr val="dk1"/>
                 </a:solidFill>
@@ -16126,7 +16081,7 @@
               </a:rPr>
               <a:t>From the Correlation Matrix, we can identify that there exists a high correlation between 4 columns given below</a:t>
             </a:r>
-            <a:endParaRPr sz="1300">
+            <a:endParaRPr sz="1300" dirty="0">
               <a:solidFill>
                 <a:schemeClr val="dk1"/>
               </a:solidFill>
@@ -16152,7 +16107,7 @@
               <a:buAutoNum type="arabicParenR"/>
             </a:pPr>
             <a:r>
-              <a:rPr lang="en" sz="1300">
+              <a:rPr lang="en" sz="1300" dirty="0">
                 <a:solidFill>
                   <a:schemeClr val="dk1"/>
                 </a:solidFill>
@@ -16163,7 +16118,7 @@
               </a:rPr>
               <a:t>Socializing &amp; Relaxing, Television (0.71)</a:t>
             </a:r>
-            <a:endParaRPr sz="1300">
+            <a:endParaRPr sz="1300" dirty="0">
               <a:solidFill>
                 <a:schemeClr val="dk1"/>
               </a:solidFill>
@@ -16189,7 +16144,7 @@
               <a:buAutoNum type="arabicParenR"/>
             </a:pPr>
             <a:r>
-              <a:rPr lang="en" sz="1300">
+              <a:rPr lang="en" sz="1300" dirty="0">
                 <a:solidFill>
                   <a:schemeClr val="dk1"/>
                 </a:solidFill>
@@ -16200,7 +16155,7 @@
               </a:rPr>
               <a:t>Playing with Children, Caring for Children (0.69)</a:t>
             </a:r>
-            <a:endParaRPr sz="1300">
+            <a:endParaRPr sz="1300" dirty="0">
               <a:solidFill>
                 <a:schemeClr val="dk1"/>
               </a:solidFill>
@@ -16220,7 +16175,7 @@
               </a:spcAft>
               <a:buNone/>
             </a:pPr>
-            <a:endParaRPr sz="1300">
+            <a:endParaRPr sz="1300" dirty="0">
               <a:solidFill>
                 <a:schemeClr val="dk1"/>
               </a:solidFill>
@@ -16241,7 +16196,7 @@
               <a:buNone/>
             </a:pPr>
             <a:r>
-              <a:rPr lang="en" sz="1300">
+              <a:rPr lang="en" sz="1300" dirty="0">
                 <a:solidFill>
                   <a:schemeClr val="dk1"/>
                 </a:solidFill>
@@ -16252,7 +16207,7 @@
               </a:rPr>
               <a:t>*Correlation values above 0.5 considered significant</a:t>
             </a:r>
-            <a:endParaRPr sz="1300">
+            <a:endParaRPr sz="1300" dirty="0">
               <a:solidFill>
                 <a:schemeClr val="dk1"/>
               </a:solidFill>
@@ -16272,7 +16227,7 @@
               </a:spcAft>
               <a:buNone/>
             </a:pPr>
-            <a:endParaRPr sz="1300">
+            <a:endParaRPr sz="1300" dirty="0">
               <a:solidFill>
                 <a:schemeClr val="dk1"/>
               </a:solidFill>
@@ -16292,7 +16247,7 @@
               </a:spcAft>
               <a:buNone/>
             </a:pPr>
-            <a:endParaRPr sz="1300">
+            <a:endParaRPr sz="1300" dirty="0">
               <a:solidFill>
                 <a:schemeClr val="dk1"/>
               </a:solidFill>
@@ -16312,7 +16267,7 @@
               </a:spcAft>
               <a:buNone/>
             </a:pPr>
-            <a:endParaRPr sz="1300">
+            <a:endParaRPr sz="1300" dirty="0">
               <a:solidFill>
                 <a:schemeClr val="dk1"/>
               </a:solidFill>
@@ -16332,7 +16287,7 @@
               </a:spcAft>
               <a:buNone/>
             </a:pPr>
-            <a:endParaRPr sz="1300">
+            <a:endParaRPr sz="1300" dirty="0">
               <a:solidFill>
                 <a:schemeClr val="dk1"/>
               </a:solidFill>
@@ -16352,7 +16307,7 @@
               </a:spcAft>
               <a:buNone/>
             </a:pPr>
-            <a:endParaRPr sz="1300">
+            <a:endParaRPr sz="1300" dirty="0">
               <a:solidFill>
                 <a:schemeClr val="dk1"/>
               </a:solidFill>
@@ -16371,7 +16326,7 @@
           <p:nvPr/>
         </p:nvPicPr>
         <p:blipFill>
-          <a:blip r:embed="rId4">
+          <a:blip r:embed="rId3">
             <a:alphaModFix/>
           </a:blip>
           <a:stretch>
@@ -16649,7 +16604,7 @@
               </a:spcAft>
               <a:buNone/>
             </a:pPr>
-            <a:endParaRPr sz="1300">
+            <a:endParaRPr sz="1300" dirty="0">
               <a:solidFill>
                 <a:schemeClr val="dk1"/>
               </a:solidFill>
@@ -16670,7 +16625,7 @@
               <a:buNone/>
             </a:pPr>
             <a:r>
-              <a:rPr lang="en" sz="1300">
+              <a:rPr lang="en" sz="1300" dirty="0">
                 <a:solidFill>
                   <a:schemeClr val="dk1"/>
                 </a:solidFill>
@@ -16681,7 +16636,7 @@
               </a:rPr>
               <a:t>Since there exists a high correlation between 4 columns -Socializing &amp; Relaxing ~Television (0.71) and Playing with Children ~ Caring for Children (0.69), we have effectively combined all the four columns into two columns. </a:t>
             </a:r>
-            <a:endParaRPr sz="1300">
+            <a:endParaRPr sz="1300" dirty="0">
               <a:solidFill>
                 <a:schemeClr val="dk1"/>
               </a:solidFill>
@@ -16701,7 +16656,7 @@
               </a:spcAft>
               <a:buNone/>
             </a:pPr>
-            <a:endParaRPr sz="1300">
+            <a:endParaRPr sz="1300" dirty="0">
               <a:solidFill>
                 <a:schemeClr val="dk1"/>
               </a:solidFill>
@@ -16722,7 +16677,7 @@
               <a:buNone/>
             </a:pPr>
             <a:r>
-              <a:rPr lang="en" sz="1300">
+              <a:rPr lang="en" sz="1300" dirty="0">
                 <a:solidFill>
                   <a:schemeClr val="dk1"/>
                 </a:solidFill>
@@ -16733,7 +16688,7 @@
               </a:rPr>
               <a:t>Why we did this?  </a:t>
             </a:r>
-            <a:endParaRPr sz="1300">
+            <a:endParaRPr sz="1300" dirty="0">
               <a:solidFill>
                 <a:schemeClr val="dk1"/>
               </a:solidFill>
@@ -16753,7 +16708,7 @@
               </a:spcAft>
               <a:buNone/>
             </a:pPr>
-            <a:endParaRPr sz="1300">
+            <a:endParaRPr sz="1300" dirty="0">
               <a:solidFill>
                 <a:schemeClr val="dk1"/>
               </a:solidFill>
@@ -16774,7 +16729,7 @@
               <a:buNone/>
             </a:pPr>
             <a:r>
-              <a:rPr lang="en" sz="1300">
+              <a:rPr lang="en" sz="1300" dirty="0">
                 <a:solidFill>
                   <a:schemeClr val="dk1"/>
                 </a:solidFill>
@@ -16785,7 +16740,7 @@
               </a:rPr>
               <a:t>As most of the values where repeated, we analyzed and removed those values that were being repeated from the total.</a:t>
             </a:r>
-            <a:endParaRPr sz="1300">
+            <a:endParaRPr sz="1300" dirty="0">
               <a:solidFill>
                 <a:schemeClr val="dk1"/>
               </a:solidFill>
@@ -16805,7 +16760,7 @@
               </a:spcAft>
               <a:buNone/>
             </a:pPr>
-            <a:endParaRPr sz="1300">
+            <a:endParaRPr sz="1300" dirty="0">
               <a:solidFill>
                 <a:schemeClr val="dk1"/>
               </a:solidFill>
@@ -16826,7 +16781,7 @@
               <a:buNone/>
             </a:pPr>
             <a:r>
-              <a:rPr lang="en" sz="1300">
+              <a:rPr lang="en" sz="1300" dirty="0">
                 <a:solidFill>
                   <a:schemeClr val="dk1"/>
                 </a:solidFill>
@@ -16837,7 +16792,7 @@
               </a:rPr>
               <a:t>Finally, the columns in the dataset added were “Hours Spent on Children” &amp; “Socializing and Relaxing”.</a:t>
             </a:r>
-            <a:endParaRPr sz="1300">
+            <a:endParaRPr sz="1300" dirty="0">
               <a:solidFill>
                 <a:schemeClr val="dk1"/>
               </a:solidFill>
@@ -16858,7 +16813,7 @@
               <a:buNone/>
             </a:pPr>
             <a:r>
-              <a:rPr lang="en" sz="1300">
+              <a:rPr lang="en" sz="1300" dirty="0">
                 <a:solidFill>
                   <a:schemeClr val="dk1"/>
                 </a:solidFill>
@@ -16869,7 +16824,7 @@
               </a:rPr>
               <a:t>(*The total has also been minimised to 24 after subtracting the columns that were being repeated.)</a:t>
             </a:r>
-            <a:endParaRPr sz="1300">
+            <a:endParaRPr sz="1300" dirty="0">
               <a:solidFill>
                 <a:schemeClr val="dk1"/>
               </a:solidFill>
@@ -16889,7 +16844,7 @@
               </a:spcAft>
               <a:buNone/>
             </a:pPr>
-            <a:endParaRPr sz="1300">
+            <a:endParaRPr sz="1300" dirty="0">
               <a:solidFill>
                 <a:schemeClr val="dk1"/>
               </a:solidFill>
@@ -16909,56 +16864,7 @@
               </a:spcAft>
               <a:buNone/>
             </a:pPr>
-            <a:r>
-              <a:rPr lang="en" sz="1300">
-                <a:solidFill>
-                  <a:schemeClr val="dk1"/>
-                </a:solidFill>
-                <a:latin typeface="Times New Roman"/>
-                <a:ea typeface="Times New Roman"/>
-                <a:cs typeface="Times New Roman"/>
-                <a:sym typeface="Times New Roman"/>
-              </a:rPr>
-              <a:t>The Link to the Final Excel file after </a:t>
-            </a:r>
-            <a:r>
-              <a:rPr lang="en" sz="1300" b="1">
-                <a:solidFill>
-                  <a:schemeClr val="dk1"/>
-                </a:solidFill>
-                <a:latin typeface="Times New Roman"/>
-                <a:ea typeface="Times New Roman"/>
-                <a:cs typeface="Times New Roman"/>
-                <a:sym typeface="Times New Roman"/>
-              </a:rPr>
-              <a:t>Data Preparation is given here</a:t>
-            </a:r>
-            <a:r>
-              <a:rPr lang="en" sz="1300">
-                <a:solidFill>
-                  <a:schemeClr val="dk1"/>
-                </a:solidFill>
-                <a:latin typeface="Times New Roman"/>
-                <a:ea typeface="Times New Roman"/>
-                <a:cs typeface="Times New Roman"/>
-                <a:sym typeface="Times New Roman"/>
-              </a:rPr>
-              <a:t> - </a:t>
-            </a:r>
-            <a:r>
-              <a:rPr lang="en" sz="1300" u="sng">
-                <a:solidFill>
-                  <a:schemeClr val="hlink"/>
-                </a:solidFill>
-                <a:latin typeface="Times New Roman"/>
-                <a:ea typeface="Times New Roman"/>
-                <a:cs typeface="Times New Roman"/>
-                <a:sym typeface="Times New Roman"/>
-                <a:hlinkClick r:id="rId3"/>
-              </a:rPr>
-              <a:t>http://bit.ly/2FTeMSP</a:t>
-            </a:r>
-            <a:endParaRPr sz="1300">
+            <a:endParaRPr sz="1300" dirty="0">
               <a:solidFill>
                 <a:schemeClr val="dk1"/>
               </a:solidFill>
@@ -16978,27 +16884,7 @@
               </a:spcAft>
               <a:buNone/>
             </a:pPr>
-            <a:endParaRPr sz="1300">
-              <a:solidFill>
-                <a:schemeClr val="dk1"/>
-              </a:solidFill>
-              <a:latin typeface="Times New Roman"/>
-              <a:ea typeface="Times New Roman"/>
-              <a:cs typeface="Times New Roman"/>
-              <a:sym typeface="Times New Roman"/>
-            </a:endParaRPr>
-          </a:p>
-          <a:p>
-            <a:pPr marL="0" lvl="0" indent="0" algn="just" rtl="0">
-              <a:spcBef>
-                <a:spcPts val="0"/>
-              </a:spcBef>
-              <a:spcAft>
-                <a:spcPts val="0"/>
-              </a:spcAft>
-              <a:buNone/>
-            </a:pPr>
-            <a:endParaRPr sz="1300">
+            <a:endParaRPr sz="1300" dirty="0">
               <a:solidFill>
                 <a:schemeClr val="dk1"/>
               </a:solidFill>
@@ -17154,7 +17040,7 @@
               <a:buNone/>
             </a:pPr>
             <a:r>
-              <a:rPr lang="en" sz="1200">
+              <a:rPr lang="en" sz="1200" dirty="0">
                 <a:solidFill>
                   <a:schemeClr val="dk1"/>
                 </a:solidFill>
@@ -17165,7 +17051,7 @@
               </a:rPr>
               <a:t>Data Visualization is a general term that describes any effort to help people understand the significance of data by placing it in a visual context. </a:t>
             </a:r>
-            <a:endParaRPr sz="1200">
+            <a:endParaRPr sz="1200" dirty="0">
               <a:solidFill>
                 <a:schemeClr val="dk1"/>
               </a:solidFill>
@@ -17185,7 +17071,7 @@
               </a:spcAft>
               <a:buNone/>
             </a:pPr>
-            <a:endParaRPr sz="1200">
+            <a:endParaRPr sz="1200" dirty="0">
               <a:solidFill>
                 <a:schemeClr val="dk1"/>
               </a:solidFill>
@@ -17206,7 +17092,7 @@
               <a:buNone/>
             </a:pPr>
             <a:r>
-              <a:rPr lang="en" sz="1200">
+              <a:rPr lang="en" sz="1200" dirty="0">
                 <a:solidFill>
                   <a:schemeClr val="dk1"/>
                 </a:solidFill>
@@ -17217,7 +17103,7 @@
               </a:rPr>
               <a:t>We have used Python(Seaborne Library) for the Visualization </a:t>
             </a:r>
-            <a:endParaRPr sz="1200">
+            <a:endParaRPr sz="1200" dirty="0">
               <a:solidFill>
                 <a:schemeClr val="dk1"/>
               </a:solidFill>
@@ -17228,16 +17114,16 @@
             </a:endParaRPr>
           </a:p>
           <a:p>
-            <a:pPr marL="0" lvl="0" indent="0" algn="just" rtl="0">
-              <a:spcBef>
-                <a:spcPts val="0"/>
-              </a:spcBef>
-              <a:spcAft>
-                <a:spcPts val="0"/>
-              </a:spcAft>
-              <a:buNone/>
-            </a:pPr>
-            <a:endParaRPr sz="1200">
+            <a:pPr marL="0" lvl="0" indent="0" algn="just">
+              <a:spcBef>
+                <a:spcPts val="0"/>
+              </a:spcBef>
+              <a:spcAft>
+                <a:spcPts val="0"/>
+              </a:spcAft>
+              <a:buNone/>
+            </a:pPr>
+            <a:endParaRPr sz="1200" dirty="0">
               <a:solidFill>
                 <a:schemeClr val="dk1"/>
               </a:solidFill>
@@ -17257,44 +17143,7 @@
               </a:spcAft>
               <a:buNone/>
             </a:pPr>
-            <a:r>
-              <a:rPr lang="en" sz="1200" b="1">
-                <a:solidFill>
-                  <a:schemeClr val="dk1"/>
-                </a:solidFill>
-                <a:latin typeface="Times New Roman"/>
-                <a:ea typeface="Times New Roman"/>
-                <a:cs typeface="Times New Roman"/>
-                <a:sym typeface="Times New Roman"/>
-              </a:rPr>
-              <a:t>Detailed Link</a:t>
-            </a:r>
-            <a:r>
-              <a:rPr lang="en" sz="1200">
-                <a:solidFill>
-                  <a:schemeClr val="dk1"/>
-                </a:solidFill>
-                <a:latin typeface="Times New Roman"/>
-                <a:ea typeface="Times New Roman"/>
-                <a:cs typeface="Times New Roman"/>
-                <a:sym typeface="Times New Roman"/>
-              </a:rPr>
-              <a:t> - </a:t>
-            </a:r>
-            <a:r>
-              <a:rPr lang="en" sz="1200" u="sng">
-                <a:solidFill>
-                  <a:schemeClr val="hlink"/>
-                </a:solidFill>
-                <a:latin typeface="Times New Roman"/>
-                <a:ea typeface="Times New Roman"/>
-                <a:cs typeface="Times New Roman"/>
-                <a:sym typeface="Times New Roman"/>
-                <a:hlinkClick r:id="rId3"/>
-              </a:rPr>
-              <a:t>http://bit.ly/2FTeMSP</a:t>
-            </a:r>
-            <a:endParaRPr sz="1200">
+            <a:endParaRPr sz="1200" dirty="0">
               <a:solidFill>
                 <a:schemeClr val="dk1"/>
               </a:solidFill>
@@ -17314,7 +17163,7 @@
               </a:spcAft>
               <a:buNone/>
             </a:pPr>
-            <a:endParaRPr sz="1200">
+            <a:endParaRPr sz="1200" dirty="0">
               <a:solidFill>
                 <a:schemeClr val="dk1"/>
               </a:solidFill>
@@ -17334,7 +17183,7 @@
               </a:spcAft>
               <a:buNone/>
             </a:pPr>
-            <a:endParaRPr sz="1200">
+            <a:endParaRPr sz="1200" dirty="0">
               <a:solidFill>
                 <a:schemeClr val="dk1"/>
               </a:solidFill>
@@ -17354,7 +17203,7 @@
               </a:spcAft>
               <a:buNone/>
             </a:pPr>
-            <a:endParaRPr sz="1200">
+            <a:endParaRPr sz="1200" dirty="0">
               <a:solidFill>
                 <a:schemeClr val="dk1"/>
               </a:solidFill>
@@ -17374,7 +17223,7 @@
               </a:spcAft>
               <a:buNone/>
             </a:pPr>
-            <a:endParaRPr sz="1200">
+            <a:endParaRPr sz="1300" dirty="0">
               <a:solidFill>
                 <a:schemeClr val="dk1"/>
               </a:solidFill>
@@ -17394,7 +17243,7 @@
               </a:spcAft>
               <a:buNone/>
             </a:pPr>
-            <a:endParaRPr sz="1300">
+            <a:endParaRPr sz="1300" dirty="0">
               <a:solidFill>
                 <a:schemeClr val="dk1"/>
               </a:solidFill>
@@ -17404,26 +17253,6 @@
               <a:sym typeface="Times New Roman"/>
             </a:endParaRPr>
           </a:p>
-          <a:p>
-            <a:pPr marL="0" lvl="0" indent="0" algn="just">
-              <a:spcBef>
-                <a:spcPts val="0"/>
-              </a:spcBef>
-              <a:spcAft>
-                <a:spcPts val="0"/>
-              </a:spcAft>
-              <a:buNone/>
-            </a:pPr>
-            <a:endParaRPr sz="1300">
-              <a:solidFill>
-                <a:schemeClr val="dk1"/>
-              </a:solidFill>
-              <a:latin typeface="Times New Roman"/>
-              <a:ea typeface="Times New Roman"/>
-              <a:cs typeface="Times New Roman"/>
-              <a:sym typeface="Times New Roman"/>
-            </a:endParaRPr>
-          </a:p>
         </p:txBody>
       </p:sp>
       <p:pic>
@@ -17433,7 +17262,7 @@
           <p:nvPr/>
         </p:nvPicPr>
         <p:blipFill>
-          <a:blip r:embed="rId4">
+          <a:blip r:embed="rId3">
             <a:alphaModFix/>
           </a:blip>
           <a:stretch>
